--- a/docs/columns-good-rows-bad.pptx
+++ b/docs/columns-good-rows-bad.pptx
@@ -13,6 +13,7 @@
     <p:sldId id="261" r:id="rId7"/>
     <p:sldId id="262" r:id="rId8"/>
     <p:sldId id="263" r:id="rId9"/>
+    <p:sldId id="264" r:id="rId10"/>
   </p:sldIdLst>
   <p:sldSz cx="9144000" cy="5143500" type="screen16x9"/>
   <p:notesSz cx="6858000" cy="9144000"/>
@@ -3230,6 +3231,173 @@
             </a:pPr>
             <a:r>
               <a:rPr/>
+              <a:t>Resources</a:t>
+            </a:r>
+          </a:p>
+        </p:txBody>
+      </p:sp>
+      <p:pic>
+        <p:nvPicPr>
+          <p:cNvPr descr="images/slides.png" id="0" name="Picture 1"/>
+          <p:cNvPicPr>
+            <a:picLocks noGrp="1" noChangeAspect="1"/>
+          </p:cNvPicPr>
+          <p:nvPr/>
+        </p:nvPicPr>
+        <p:blipFill>
+          <a:blip r:embed="rId2"/>
+          <a:stretch>
+            <a:fillRect/>
+          </a:stretch>
+        </p:blipFill>
+        <p:spPr bwMode="auto">
+          <a:xfrm>
+            <a:off x="1041400" y="1193800"/>
+            <a:ext cx="2882900" cy="2882900"/>
+          </a:xfrm>
+          <a:prstGeom prst="rect">
+            <a:avLst/>
+          </a:prstGeom>
+          <a:noFill/>
+          <a:ln w="9525">
+            <a:noFill/>
+            <a:headEnd/>
+            <a:tailEnd/>
+          </a:ln>
+        </p:spPr>
+      </p:pic>
+      <p:sp>
+        <p:nvSpPr>
+          <p:cNvPr id="1" name="TextBox 3"/>
+          <p:cNvSpPr txBox="1"/>
+          <p:nvPr/>
+        </p:nvSpPr>
+        <p:spPr>
+          <a:xfrm>
+            <a:off x="457200" y="4076700"/>
+            <a:ext cx="4038600" cy="508000"/>
+          </a:xfrm>
+          <a:prstGeom prst="rect">
+            <a:avLst/>
+          </a:prstGeom>
+          <a:noFill/>
+        </p:spPr>
+        <p:txBody>
+          <a:bodyPr/>
+          <a:lstStyle/>
+          <a:p>
+            <a:pPr lvl="0" indent="0" marL="0" algn="ctr">
+              <a:buNone/>
+            </a:pPr>
+            <a:r>
+              <a:rPr/>
+              <a:t>slides</a:t>
+            </a:r>
+          </a:p>
+        </p:txBody>
+      </p:sp>
+      <p:pic>
+        <p:nvPicPr>
+          <p:cNvPr descr="images/repo.png" id="0" name="Picture 1"/>
+          <p:cNvPicPr>
+            <a:picLocks noGrp="1" noChangeAspect="1"/>
+          </p:cNvPicPr>
+          <p:nvPr/>
+        </p:nvPicPr>
+        <p:blipFill>
+          <a:blip r:embed="rId3"/>
+          <a:stretch>
+            <a:fillRect/>
+          </a:stretch>
+        </p:blipFill>
+        <p:spPr bwMode="auto">
+          <a:xfrm>
+            <a:off x="5232400" y="1193800"/>
+            <a:ext cx="2882900" cy="2882900"/>
+          </a:xfrm>
+          <a:prstGeom prst="rect">
+            <a:avLst/>
+          </a:prstGeom>
+          <a:noFill/>
+          <a:ln w="9525">
+            <a:noFill/>
+            <a:headEnd/>
+            <a:tailEnd/>
+          </a:ln>
+        </p:spPr>
+      </p:pic>
+      <p:sp>
+        <p:nvSpPr>
+          <p:cNvPr id="1" name="TextBox 3"/>
+          <p:cNvSpPr txBox="1"/>
+          <p:nvPr/>
+        </p:nvSpPr>
+        <p:spPr>
+          <a:xfrm>
+            <a:off x="4648200" y="4076700"/>
+            <a:ext cx="4038600" cy="508000"/>
+          </a:xfrm>
+          <a:prstGeom prst="rect">
+            <a:avLst/>
+          </a:prstGeom>
+          <a:noFill/>
+        </p:spPr>
+        <p:txBody>
+          <a:bodyPr/>
+          <a:lstStyle/>
+          <a:p>
+            <a:pPr lvl="0" indent="0" marL="0" algn="ctr">
+              <a:buNone/>
+            </a:pPr>
+            <a:r>
+              <a:rPr/>
+              <a:t>repo</a:t>
+            </a:r>
+          </a:p>
+        </p:txBody>
+      </p:sp>
+    </p:spTree>
+  </p:cSld>
+</p:sld>
+</file>
+
+<file path=ppt/slides/slide3.xml><?xml version="1.0" encoding="utf-8"?>
+<p:sld xmlns:a="http://schemas.openxmlformats.org/drawingml/2006/main" xmlns:r="http://schemas.openxmlformats.org/officeDocument/2006/relationships" xmlns:p="http://schemas.openxmlformats.org/presentationml/2006/main">
+  <p:cSld>
+    <p:spTree>
+      <p:nvGrpSpPr>
+        <p:cNvPr id="1" name=""/>
+        <p:cNvGrpSpPr/>
+        <p:nvPr/>
+      </p:nvGrpSpPr>
+      <p:grpSpPr>
+        <a:xfrm>
+          <a:off x="0" y="0"/>
+          <a:ext cx="0" cy="0"/>
+          <a:chOff x="0" y="0"/>
+          <a:chExt cx="0" cy="0"/>
+        </a:xfrm>
+      </p:grpSpPr>
+      <p:sp>
+        <p:nvSpPr>
+          <p:cNvPr id="2" name="Title 1"/>
+          <p:cNvSpPr>
+            <a:spLocks noGrp="1"/>
+          </p:cNvSpPr>
+          <p:nvPr>
+            <p:ph type="title"/>
+          </p:nvPr>
+        </p:nvSpPr>
+        <p:spPr/>
+        <p:txBody>
+          <a:bodyPr/>
+          <a:lstStyle/>
+          <a:p>
+            <a:pPr lvl="0" indent="0" marL="0">
+              <a:buNone/>
+            </a:pPr>
+            <a:r>
+              <a:rPr/>
               <a:t>Row-orientation</a:t>
             </a:r>
           </a:p>
@@ -3472,7 +3640,7 @@
 </p:sld>
 </file>
 
-<file path=ppt/slides/slide3.xml><?xml version="1.0" encoding="utf-8"?>
+<file path=ppt/slides/slide4.xml><?xml version="1.0" encoding="utf-8"?>
 <p:sld xmlns:a="http://schemas.openxmlformats.org/drawingml/2006/main" xmlns:r="http://schemas.openxmlformats.org/officeDocument/2006/relationships" xmlns:p="http://schemas.openxmlformats.org/presentationml/2006/main">
   <p:cSld>
     <p:spTree>
@@ -3531,7 +3699,7 @@
 </p:sld>
 </file>
 
-<file path=ppt/slides/slide4.xml><?xml version="1.0" encoding="utf-8"?>
+<file path=ppt/slides/slide5.xml><?xml version="1.0" encoding="utf-8"?>
 <p:sld xmlns:a="http://schemas.openxmlformats.org/drawingml/2006/main" xmlns:r="http://schemas.openxmlformats.org/officeDocument/2006/relationships" xmlns:p="http://schemas.openxmlformats.org/presentationml/2006/main">
   <p:cSld>
     <p:spTree>
@@ -3810,65 +3978,6 @@
 </p:sld>
 </file>
 
-<file path=ppt/slides/slide5.xml><?xml version="1.0" encoding="utf-8"?>
-<p:sld xmlns:a="http://schemas.openxmlformats.org/drawingml/2006/main" xmlns:r="http://schemas.openxmlformats.org/officeDocument/2006/relationships" xmlns:p="http://schemas.openxmlformats.org/presentationml/2006/main">
-  <p:cSld>
-    <p:spTree>
-      <p:nvGrpSpPr>
-        <p:cNvPr id="1" name=""/>
-        <p:cNvGrpSpPr/>
-        <p:nvPr/>
-      </p:nvGrpSpPr>
-      <p:grpSpPr>
-        <a:xfrm>
-          <a:off x="0" y="0"/>
-          <a:ext cx="0" cy="0"/>
-          <a:chOff x="0" y="0"/>
-          <a:chExt cx="0" cy="0"/>
-        </a:xfrm>
-      </p:grpSpPr>
-      <p:sp>
-        <p:nvSpPr>
-          <p:cNvPr id="3" name="Content Placeholder 2"/>
-          <p:cNvSpPr>
-            <a:spLocks noGrp="1"/>
-          </p:cNvSpPr>
-          <p:nvPr>
-            <p:ph idx="1"/>
-          </p:nvPr>
-        </p:nvSpPr>
-        <p:spPr/>
-        <p:txBody>
-          <a:bodyPr/>
-          <a:lstStyle/>
-          <a:p>
-            <a:pPr lvl="0"/>
-            <a:r>
-              <a:rPr/>
-              <a:t>Optimized for analysis</a:t>
-            </a:r>
-          </a:p>
-          <a:p>
-            <a:pPr lvl="0"/>
-            <a:r>
-              <a:rPr/>
-              <a:t>Better storage compression</a:t>
-            </a:r>
-          </a:p>
-          <a:p>
-            <a:pPr lvl="0"/>
-            <a:r>
-              <a:rPr/>
-              <a:t>Less complex than OLAP cubes</a:t>
-            </a:r>
-          </a:p>
-        </p:txBody>
-      </p:sp>
-    </p:spTree>
-  </p:cSld>
-</p:sld>
-</file>
-
 <file path=ppt/slides/slide6.xml><?xml version="1.0" encoding="utf-8"?>
 <p:sld xmlns:a="http://schemas.openxmlformats.org/drawingml/2006/main" xmlns:r="http://schemas.openxmlformats.org/officeDocument/2006/relationships" xmlns:p="http://schemas.openxmlformats.org/presentationml/2006/main">
   <p:cSld>
@@ -3888,69 +3997,37 @@
       </p:grpSpPr>
       <p:sp>
         <p:nvSpPr>
-          <p:cNvPr id="2" name="Title 1"/>
-          <p:cNvSpPr>
-            <a:spLocks noGrp="1"/>
-          </p:cNvSpPr>
-          <p:nvPr>
-            <p:ph type="title"/>
-          </p:nvPr>
-        </p:nvSpPr>
-        <p:spPr/>
-        <p:txBody>
-          <a:bodyPr/>
-          <a:lstStyle/>
-          <a:p>
-            <a:pPr lvl="0" indent="0" marL="0">
-              <a:buNone/>
-            </a:pPr>
+          <p:cNvPr id="3" name="Content Placeholder 2"/>
+          <p:cNvSpPr>
+            <a:spLocks noGrp="1"/>
+          </p:cNvSpPr>
+          <p:nvPr>
+            <p:ph idx="1"/>
+          </p:nvPr>
+        </p:nvSpPr>
+        <p:spPr/>
+        <p:txBody>
+          <a:bodyPr/>
+          <a:lstStyle/>
+          <a:p>
+            <a:pPr lvl="0"/>
             <a:r>
               <a:rPr/>
-              <a:t>Parquet</a:t>
-            </a:r>
-          </a:p>
-        </p:txBody>
-      </p:sp>
-      <p:sp>
-        <p:nvSpPr>
-          <p:cNvPr id="3" name="Content Placeholder 2"/>
-          <p:cNvSpPr>
-            <a:spLocks noGrp="1"/>
-          </p:cNvSpPr>
-          <p:nvPr>
-            <p:ph idx="1"/>
-          </p:nvPr>
-        </p:nvSpPr>
-        <p:spPr/>
-        <p:txBody>
-          <a:bodyPr/>
-          <a:lstStyle/>
+              <a:t>Optimized for analysis</a:t>
+            </a:r>
+          </a:p>
           <a:p>
             <a:pPr lvl="0"/>
             <a:r>
               <a:rPr/>
-              <a:t>Open-source column-oriented format</a:t>
+              <a:t>Better storage compression</a:t>
             </a:r>
           </a:p>
           <a:p>
             <a:pPr lvl="0"/>
             <a:r>
               <a:rPr/>
-              <a:t>Supported by major platforms</a:t>
-            </a:r>
-          </a:p>
-          <a:p>
-            <a:pPr lvl="0"/>
-            <a:r>
-              <a:rPr/>
-              <a:t>Uses metadata for further optimization</a:t>
-            </a:r>
-          </a:p>
-          <a:p>
-            <a:pPr lvl="0"/>
-            <a:r>
-              <a:rPr/>
-              <a:t>GeoParquet standard supports spatial datatypes</a:t>
+              <a:t>Less complex than OLAP cubes</a:t>
             </a:r>
           </a:p>
         </p:txBody>
@@ -3997,7 +4074,7 @@
             </a:pPr>
             <a:r>
               <a:rPr/>
-              <a:t>DuckDB</a:t>
+              <a:t>Parquet</a:t>
             </a:r>
           </a:p>
         </p:txBody>
@@ -4020,42 +4097,28 @@
             <a:pPr lvl="0"/>
             <a:r>
               <a:rPr/>
-              <a:t>Open-source analytical database</a:t>
+              <a:t>Open-source column-oriented format</a:t>
             </a:r>
           </a:p>
           <a:p>
             <a:pPr lvl="0"/>
             <a:r>
               <a:rPr/>
-              <a:t>Fast</a:t>
+              <a:t>Supported by major platforms</a:t>
             </a:r>
           </a:p>
           <a:p>
             <a:pPr lvl="0"/>
             <a:r>
               <a:rPr/>
-              <a:t>Single binary (no dependencies)</a:t>
+              <a:t>Uses metadata for further optimization</a:t>
             </a:r>
           </a:p>
           <a:p>
             <a:pPr lvl="0"/>
             <a:r>
               <a:rPr/>
-              <a:t>In-process (easily embeddable)</a:t>
-            </a:r>
-          </a:p>
-          <a:p>
-            <a:pPr lvl="0"/>
-            <a:r>
-              <a:rPr/>
-              <a:t>Reads files as database tables</a:t>
-            </a:r>
-          </a:p>
-          <a:p>
-            <a:pPr lvl="0"/>
-            <a:r>
-              <a:rPr/>
-              <a:t>Bindings available for many languages</a:t>
+              <a:t>GeoParquet standard supports spatial datatypes</a:t>
             </a:r>
           </a:p>
         </p:txBody>
@@ -4066,6 +4129,111 @@
 </file>
 
 <file path=ppt/slides/slide8.xml><?xml version="1.0" encoding="utf-8"?>
+<p:sld xmlns:a="http://schemas.openxmlformats.org/drawingml/2006/main" xmlns:r="http://schemas.openxmlformats.org/officeDocument/2006/relationships" xmlns:p="http://schemas.openxmlformats.org/presentationml/2006/main">
+  <p:cSld>
+    <p:spTree>
+      <p:nvGrpSpPr>
+        <p:cNvPr id="1" name=""/>
+        <p:cNvGrpSpPr/>
+        <p:nvPr/>
+      </p:nvGrpSpPr>
+      <p:grpSpPr>
+        <a:xfrm>
+          <a:off x="0" y="0"/>
+          <a:ext cx="0" cy="0"/>
+          <a:chOff x="0" y="0"/>
+          <a:chExt cx="0" cy="0"/>
+        </a:xfrm>
+      </p:grpSpPr>
+      <p:sp>
+        <p:nvSpPr>
+          <p:cNvPr id="2" name="Title 1"/>
+          <p:cNvSpPr>
+            <a:spLocks noGrp="1"/>
+          </p:cNvSpPr>
+          <p:nvPr>
+            <p:ph type="title"/>
+          </p:nvPr>
+        </p:nvSpPr>
+        <p:spPr/>
+        <p:txBody>
+          <a:bodyPr/>
+          <a:lstStyle/>
+          <a:p>
+            <a:pPr lvl="0" indent="0" marL="0">
+              <a:buNone/>
+            </a:pPr>
+            <a:r>
+              <a:rPr/>
+              <a:t>DuckDB</a:t>
+            </a:r>
+          </a:p>
+        </p:txBody>
+      </p:sp>
+      <p:sp>
+        <p:nvSpPr>
+          <p:cNvPr id="3" name="Content Placeholder 2"/>
+          <p:cNvSpPr>
+            <a:spLocks noGrp="1"/>
+          </p:cNvSpPr>
+          <p:nvPr>
+            <p:ph idx="1"/>
+          </p:nvPr>
+        </p:nvSpPr>
+        <p:spPr/>
+        <p:txBody>
+          <a:bodyPr/>
+          <a:lstStyle/>
+          <a:p>
+            <a:pPr lvl="0"/>
+            <a:r>
+              <a:rPr/>
+              <a:t>Open-source analytical database</a:t>
+            </a:r>
+          </a:p>
+          <a:p>
+            <a:pPr lvl="0"/>
+            <a:r>
+              <a:rPr/>
+              <a:t>Fast</a:t>
+            </a:r>
+          </a:p>
+          <a:p>
+            <a:pPr lvl="0"/>
+            <a:r>
+              <a:rPr/>
+              <a:t>Single binary (no dependencies)</a:t>
+            </a:r>
+          </a:p>
+          <a:p>
+            <a:pPr lvl="0"/>
+            <a:r>
+              <a:rPr/>
+              <a:t>In-process (easily embeddable)</a:t>
+            </a:r>
+          </a:p>
+          <a:p>
+            <a:pPr lvl="0"/>
+            <a:r>
+              <a:rPr/>
+              <a:t>Reads files as database tables</a:t>
+            </a:r>
+          </a:p>
+          <a:p>
+            <a:pPr lvl="0"/>
+            <a:r>
+              <a:rPr/>
+              <a:t>Bindings available for many languages</a:t>
+            </a:r>
+          </a:p>
+        </p:txBody>
+      </p:sp>
+    </p:spTree>
+  </p:cSld>
+</p:sld>
+</file>
+
+<file path=ppt/slides/slide9.xml><?xml version="1.0" encoding="utf-8"?>
 <p:sld xmlns:a="http://schemas.openxmlformats.org/drawingml/2006/main" xmlns:r="http://schemas.openxmlformats.org/officeDocument/2006/relationships" xmlns:p="http://schemas.openxmlformats.org/presentationml/2006/main">
   <p:cSld>
     <p:spTree>
